--- a/寒假规划.pptx
+++ b/寒假规划.pptx
@@ -5,11 +5,15 @@
     <p:sldMasterId id="2147483660" r:id="rId1"/>
   </p:sldMasterIdLst>
   <p:notesMasterIdLst>
-    <p:notesMasterId r:id="rId4"/>
+    <p:notesMasterId r:id="rId8"/>
   </p:notesMasterIdLst>
   <p:sldIdLst>
     <p:sldId id="256" r:id="rId2"/>
-    <p:sldId id="258" r:id="rId3"/>
+    <p:sldId id="303" r:id="rId3"/>
+    <p:sldId id="258" r:id="rId4"/>
+    <p:sldId id="302" r:id="rId5"/>
+    <p:sldId id="259" r:id="rId6"/>
+    <p:sldId id="301" r:id="rId7"/>
   </p:sldIdLst>
   <p:sldSz cx="12192000" cy="6858000"/>
   <p:notesSz cx="6858000" cy="9144000"/>
@@ -116,6 +120,36 @@
 </p:presentation>
 </file>
 
+<file path=ppt/ink/ink1.xml><?xml version="1.0" encoding="utf-8"?>
+<inkml:ink xmlns:inkml="http://www.w3.org/2003/InkML">
+  <inkml:definitions>
+    <inkml:context xml:id="ctx0">
+      <inkml:inkSource xml:id="inkSrc0">
+        <inkml:traceFormat>
+          <inkml:channel name="X" type="integer" max="2240" units="cm"/>
+          <inkml:channel name="Y" type="integer" max="1400" units="cm"/>
+          <inkml:channel name="T" type="integer" max="2.14748E9" units="dev"/>
+        </inkml:traceFormat>
+        <inkml:channelProperties>
+          <inkml:channelProperty channel="X" name="resolution" value="74.17219" units="1/cm"/>
+          <inkml:channelProperty channel="Y" name="resolution" value="74.46809" units="1/cm"/>
+          <inkml:channelProperty channel="T" name="resolution" value="1" units="1/dev"/>
+        </inkml:channelProperties>
+      </inkml:inkSource>
+      <inkml:timestamp xml:id="ts0" timeString="2024-11-22T05:14:26.109"/>
+    </inkml:context>
+    <inkml:brush xml:id="br0">
+      <inkml:brushProperty name="width" value="0.05292" units="cm"/>
+      <inkml:brushProperty name="height" value="0.05292" units="cm"/>
+      <inkml:brushProperty name="color" value="#FF0000"/>
+    </inkml:brush>
+  </inkml:definitions>
+  <inkml:trace contextRef="#ctx0" brushRef="#br0">2782 11944 0,'-15'0'0,"121"0"31,45 0-16,60 45 1,31-15 0,-151-30-16,30 0 15,76 0 1,14 0 0,-150 0-1,-31 0 1,0 0 62,16 0-47,59 0-15,1 0-1,-76 0 1,16 0-16,-1 0 16,16-30-1,-16 30 1,15 0 0,16 0-1,-31 0 1,-29 0-1,44 0 17,-15 0-1,-29 0-15,14 0-1,15 0 1,-15-15 15,1 15-15,29 0-1,-45 0 1,15 0 0,1 0-1,29 0 1,-30 0-1,1 0 1,-1 0 47,0 0-1,15 0-31,-14 0-15,14 0 0,-30 0-1,0 0 1,0 0-1</inkml:trace>
+  <inkml:trace contextRef="#ctx0" brushRef="#br0" timeOffset="1666.2">4989 12019 0,'-15'31'32,"15"-16"-32,-15 45 15,-30 46 1,30-30-16,-31 14 16,1-29-1,30-16 1,-16 31-1,1-61 1,0 45 0,30-44 171,30-1-171,46-15-16,317 0 15,-76 0 1,999 0 0,45 0 15,-999 0-31,-14 0 16,181 0-1,-408 0 1,-15 0-1,-45 0-15,-1 0 16,212 0 0,46 0-1,-61-15 1,30-16 0,-45 31-1,60 0 1,-226 0-1,-31 15 1,61-15 0,257 16-1,75 14 17,-75 0-17,-212-30 1,-105 0-1,-16 0-15,-15 0 16,0 0 0,31 0-1,-1 0 1,-15 0-16,76 0 16,45 0-1,-30 0 1,-76 0-1,46 0-15,212 30 16,180-30 0,-135 0 15,-91 0-15,-196 0-1,-31 0-15,15 0 78,1 0-62,59 0 0,47 0-1,29 0 1,0 0-1,-120 0 1,-46 0 0</inkml:trace>
+  <inkml:trace contextRef="#ctx0" brushRef="#br0" timeOffset="2925.46">15437 12503 0,'105'0'31,"77"46"-15,-16 29-1,-45-45 1,15 46 0,-45-16-1,-76-60 95,0 16 46,-121 29-125,-75 61 0,90-61-31,-272 167 16,197-121 0,90-61-1,46-15 17</inkml:trace>
+</inkml:ink>
+</file>
+
 <file path=ppt/notesMasters/notesMaster1.xml><?xml version="1.0" encoding="utf-8"?>
 <p:notesMaster xmlns:a="http://schemas.openxmlformats.org/drawingml/2006/main" xmlns:r="http://schemas.openxmlformats.org/officeDocument/2006/relationships" xmlns:p="http://schemas.openxmlformats.org/presentationml/2006/main">
   <p:cSld>
@@ -198,7 +232,7 @@
           <a:p>
             <a:fld id="{A95DAAA7-2421-4796-B52D-4C2B2BDF460B}" type="datetimeFigureOut">
               <a:rPr lang="zh-CN" altLang="en-US" smtClean="0"/>
-              <a:t>2025/1/1</a:t>
+              <a:t>2025/1/2</a:t>
             </a:fld>
             <a:endParaRPr lang="zh-CN" altLang="en-US"/>
           </a:p>
@@ -2565,6 +2599,93 @@
           <p:cNvPr id="2" name="标题 1">
             <a:extLst>
               <a:ext uri="{FF2B5EF4-FFF2-40B4-BE49-F238E27FC236}">
+                <a16:creationId xmlns:a16="http://schemas.microsoft.com/office/drawing/2014/main" id="{572450F1-B0D8-C9C3-7E68-145B8FD3CE5E}"/>
+              </a:ext>
+            </a:extLst>
+          </p:cNvPr>
+          <p:cNvSpPr>
+            <a:spLocks noGrp="1"/>
+          </p:cNvSpPr>
+          <p:nvPr>
+            <p:ph type="title"/>
+          </p:nvPr>
+        </p:nvSpPr>
+        <p:spPr/>
+        <p:txBody>
+          <a:bodyPr/>
+          <a:lstStyle/>
+          <a:p>
+            <a:r>
+              <a:rPr lang="zh-CN" altLang="en-US" dirty="0"/>
+              <a:t>遗留问题</a:t>
+            </a:r>
+          </a:p>
+        </p:txBody>
+      </p:sp>
+      <p:pic>
+        <p:nvPicPr>
+          <p:cNvPr id="7" name="内容占位符 6">
+            <a:extLst>
+              <a:ext uri="{FF2B5EF4-FFF2-40B4-BE49-F238E27FC236}">
+                <a16:creationId xmlns:a16="http://schemas.microsoft.com/office/drawing/2014/main" id="{99A7534F-CF09-C483-9D2E-2B89C230B3E6}"/>
+              </a:ext>
+            </a:extLst>
+          </p:cNvPr>
+          <p:cNvPicPr>
+            <a:picLocks noGrp="1" noChangeAspect="1"/>
+          </p:cNvPicPr>
+          <p:nvPr>
+            <p:ph idx="1"/>
+          </p:nvPr>
+        </p:nvPicPr>
+        <p:blipFill>
+          <a:blip r:embed="rId2"/>
+          <a:stretch>
+            <a:fillRect/>
+          </a:stretch>
+        </p:blipFill>
+        <p:spPr>
+          <a:xfrm>
+            <a:off x="1032394" y="1162050"/>
+            <a:ext cx="10127212" cy="5286375"/>
+          </a:xfrm>
+        </p:spPr>
+      </p:pic>
+    </p:spTree>
+    <p:extLst>
+      <p:ext uri="{BB962C8B-B14F-4D97-AF65-F5344CB8AC3E}">
+        <p14:creationId xmlns:p14="http://schemas.microsoft.com/office/powerpoint/2010/main" val="1936114075"/>
+      </p:ext>
+    </p:extLst>
+  </p:cSld>
+  <p:clrMapOvr>
+    <a:masterClrMapping/>
+  </p:clrMapOvr>
+</p:sld>
+</file>
+
+<file path=ppt/slides/slide3.xml><?xml version="1.0" encoding="utf-8"?>
+<p:sld xmlns:a="http://schemas.openxmlformats.org/drawingml/2006/main" xmlns:r="http://schemas.openxmlformats.org/officeDocument/2006/relationships" xmlns:p="http://schemas.openxmlformats.org/presentationml/2006/main">
+  <p:cSld>
+    <p:spTree>
+      <p:nvGrpSpPr>
+        <p:cNvPr id="1" name=""/>
+        <p:cNvGrpSpPr/>
+        <p:nvPr/>
+      </p:nvGrpSpPr>
+      <p:grpSpPr>
+        <a:xfrm>
+          <a:off x="0" y="0"/>
+          <a:ext cx="0" cy="0"/>
+          <a:chOff x="0" y="0"/>
+          <a:chExt cx="0" cy="0"/>
+        </a:xfrm>
+      </p:grpSpPr>
+      <p:sp>
+        <p:nvSpPr>
+          <p:cNvPr id="2" name="标题 1">
+            <a:extLst>
+              <a:ext uri="{FF2B5EF4-FFF2-40B4-BE49-F238E27FC236}">
                 <a16:creationId xmlns:a16="http://schemas.microsoft.com/office/drawing/2014/main" id="{E7A08B46-512A-E83E-CA5A-F6F9992E2679}"/>
               </a:ext>
             </a:extLst>
@@ -2606,7 +2727,9 @@
         </p:nvSpPr>
         <p:spPr/>
         <p:txBody>
-          <a:bodyPr/>
+          <a:bodyPr>
+            <a:normAutofit/>
+          </a:bodyPr>
           <a:lstStyle/>
           <a:p>
             <a:r>
@@ -2622,27 +2745,29 @@
           <a:p>
             <a:r>
               <a:rPr lang="zh-CN" altLang="en-US" dirty="0"/>
-              <a:t>先处理</a:t>
+              <a:t>文件空值率高。</a:t>
+            </a:r>
+          </a:p>
+          <a:p>
+            <a:r>
+              <a:rPr lang="zh-CN" altLang="en-US" dirty="0"/>
+              <a:t>对于全部的文件来说大约有</a:t>
             </a:r>
             <a:r>
               <a:rPr lang="en-US" altLang="zh-CN" dirty="0"/>
-              <a:t>80%</a:t>
+              <a:t>70%</a:t>
             </a:r>
             <a:r>
               <a:rPr lang="zh-CN" altLang="en-US" dirty="0"/>
-              <a:t>的数据再扩充</a:t>
-            </a:r>
-            <a:r>
-              <a:rPr lang="en-US" altLang="zh-CN"/>
-              <a:t>20</a:t>
+              <a:t>是按照统一制式汇编的，但对剩下的</a:t>
             </a:r>
             <a:r>
               <a:rPr lang="en-US" altLang="zh-CN" dirty="0"/>
-              <a:t>%</a:t>
+              <a:t>30%</a:t>
             </a:r>
             <a:r>
               <a:rPr lang="zh-CN" altLang="en-US" dirty="0"/>
-              <a:t>的数据</a:t>
+              <a:t>的文件需要单独针对操作。</a:t>
             </a:r>
           </a:p>
         </p:txBody>
@@ -2651,6 +2776,584 @@
     <p:extLst>
       <p:ext uri="{BB962C8B-B14F-4D97-AF65-F5344CB8AC3E}">
         <p14:creationId xmlns:p14="http://schemas.microsoft.com/office/powerpoint/2010/main" val="182193612"/>
+      </p:ext>
+    </p:extLst>
+  </p:cSld>
+  <p:clrMapOvr>
+    <a:masterClrMapping/>
+  </p:clrMapOvr>
+</p:sld>
+</file>
+
+<file path=ppt/slides/slide4.xml><?xml version="1.0" encoding="utf-8"?>
+<p:sld xmlns:a="http://schemas.openxmlformats.org/drawingml/2006/main" xmlns:r="http://schemas.openxmlformats.org/officeDocument/2006/relationships" xmlns:p="http://schemas.openxmlformats.org/presentationml/2006/main">
+  <p:cSld>
+    <p:spTree>
+      <p:nvGrpSpPr>
+        <p:cNvPr id="1" name=""/>
+        <p:cNvGrpSpPr/>
+        <p:nvPr/>
+      </p:nvGrpSpPr>
+      <p:grpSpPr>
+        <a:xfrm>
+          <a:off x="0" y="0"/>
+          <a:ext cx="0" cy="0"/>
+          <a:chOff x="0" y="0"/>
+          <a:chExt cx="0" cy="0"/>
+        </a:xfrm>
+      </p:grpSpPr>
+      <p:sp>
+        <p:nvSpPr>
+          <p:cNvPr id="2" name="标题 1">
+            <a:extLst>
+              <a:ext uri="{FF2B5EF4-FFF2-40B4-BE49-F238E27FC236}">
+                <a16:creationId xmlns:a16="http://schemas.microsoft.com/office/drawing/2014/main" id="{4508013D-1CA7-9228-0797-C8841C3BC01B}"/>
+              </a:ext>
+            </a:extLst>
+          </p:cNvPr>
+          <p:cNvSpPr>
+            <a:spLocks noGrp="1"/>
+          </p:cNvSpPr>
+          <p:nvPr>
+            <p:ph type="title"/>
+          </p:nvPr>
+        </p:nvSpPr>
+        <p:spPr/>
+        <p:txBody>
+          <a:bodyPr/>
+          <a:lstStyle/>
+          <a:p>
+            <a:r>
+              <a:rPr lang="zh-CN" altLang="en-US" dirty="0"/>
+              <a:t>遗留问题</a:t>
+            </a:r>
+          </a:p>
+        </p:txBody>
+      </p:sp>
+      <p:pic>
+        <p:nvPicPr>
+          <p:cNvPr id="5" name="内容占位符 4">
+            <a:extLst>
+              <a:ext uri="{FF2B5EF4-FFF2-40B4-BE49-F238E27FC236}">
+                <a16:creationId xmlns:a16="http://schemas.microsoft.com/office/drawing/2014/main" id="{C617B2D2-BBFE-E22B-7381-851E77634E45}"/>
+              </a:ext>
+            </a:extLst>
+          </p:cNvPr>
+          <p:cNvPicPr>
+            <a:picLocks noGrp="1" noChangeAspect="1"/>
+          </p:cNvPicPr>
+          <p:nvPr>
+            <p:ph sz="half" idx="1"/>
+          </p:nvPr>
+        </p:nvPicPr>
+        <p:blipFill>
+          <a:blip r:embed="rId2">
+            <a:extLst>
+              <a:ext uri="{28A0092B-C50C-407E-A947-70E740481C1C}">
+                <a14:useLocalDpi xmlns:a14="http://schemas.microsoft.com/office/drawing/2010/main" val="0"/>
+              </a:ext>
+            </a:extLst>
+          </a:blip>
+          <a:stretch>
+            <a:fillRect/>
+          </a:stretch>
+        </p:blipFill>
+        <p:spPr>
+          <a:xfrm>
+            <a:off x="1874325" y="1162050"/>
+            <a:ext cx="2855349" cy="5345113"/>
+          </a:xfrm>
+          <a:prstGeom prst="rect">
+            <a:avLst/>
+          </a:prstGeom>
+        </p:spPr>
+      </p:pic>
+      <p:pic>
+        <p:nvPicPr>
+          <p:cNvPr id="6" name="内容占位符 5">
+            <a:extLst>
+              <a:ext uri="{FF2B5EF4-FFF2-40B4-BE49-F238E27FC236}">
+                <a16:creationId xmlns:a16="http://schemas.microsoft.com/office/drawing/2014/main" id="{A55112A0-5475-2B4A-6639-0D5270460949}"/>
+              </a:ext>
+            </a:extLst>
+          </p:cNvPr>
+          <p:cNvPicPr>
+            <a:picLocks noGrp="1" noChangeAspect="1"/>
+          </p:cNvPicPr>
+          <p:nvPr>
+            <p:ph sz="half" idx="2"/>
+          </p:nvPr>
+        </p:nvPicPr>
+        <p:blipFill>
+          <a:blip r:embed="rId3"/>
+          <a:stretch>
+            <a:fillRect/>
+          </a:stretch>
+        </p:blipFill>
+        <p:spPr>
+          <a:xfrm>
+            <a:off x="6386831" y="1162050"/>
+            <a:ext cx="5006338" cy="5345113"/>
+          </a:xfrm>
+          <a:prstGeom prst="rect">
+            <a:avLst/>
+          </a:prstGeom>
+        </p:spPr>
+      </p:pic>
+    </p:spTree>
+    <p:extLst>
+      <p:ext uri="{BB962C8B-B14F-4D97-AF65-F5344CB8AC3E}">
+        <p14:creationId xmlns:p14="http://schemas.microsoft.com/office/powerpoint/2010/main" val="3850112793"/>
+      </p:ext>
+    </p:extLst>
+  </p:cSld>
+  <p:clrMapOvr>
+    <a:masterClrMapping/>
+  </p:clrMapOvr>
+</p:sld>
+</file>
+
+<file path=ppt/slides/slide5.xml><?xml version="1.0" encoding="utf-8"?>
+<p:sld xmlns:a="http://schemas.openxmlformats.org/drawingml/2006/main" xmlns:r="http://schemas.openxmlformats.org/officeDocument/2006/relationships" xmlns:p="http://schemas.openxmlformats.org/presentationml/2006/main">
+  <p:cSld>
+    <p:spTree>
+      <p:nvGrpSpPr>
+        <p:cNvPr id="1" name=""/>
+        <p:cNvGrpSpPr/>
+        <p:nvPr/>
+      </p:nvGrpSpPr>
+      <p:grpSpPr>
+        <a:xfrm>
+          <a:off x="0" y="0"/>
+          <a:ext cx="0" cy="0"/>
+          <a:chOff x="0" y="0"/>
+          <a:chExt cx="0" cy="0"/>
+        </a:xfrm>
+      </p:grpSpPr>
+      <p:sp>
+        <p:nvSpPr>
+          <p:cNvPr id="2" name="标题 1">
+            <a:extLst>
+              <a:ext uri="{FF2B5EF4-FFF2-40B4-BE49-F238E27FC236}">
+                <a16:creationId xmlns:a16="http://schemas.microsoft.com/office/drawing/2014/main" id="{19C6B0E3-6BAB-4B0D-5AB2-7268049172B7}"/>
+              </a:ext>
+            </a:extLst>
+          </p:cNvPr>
+          <p:cNvSpPr>
+            <a:spLocks noGrp="1"/>
+          </p:cNvSpPr>
+          <p:nvPr>
+            <p:ph type="title"/>
+          </p:nvPr>
+        </p:nvSpPr>
+        <p:spPr/>
+        <p:txBody>
+          <a:bodyPr/>
+          <a:lstStyle/>
+          <a:p>
+            <a:r>
+              <a:rPr lang="en-US" altLang="zh-CN" dirty="0"/>
+              <a:t>Sofa</a:t>
+            </a:r>
+            <a:r>
+              <a:rPr lang="zh-CN" altLang="en-US" dirty="0"/>
+              <a:t>数据转换</a:t>
+            </a:r>
+          </a:p>
+        </p:txBody>
+      </p:sp>
+      <p:sp>
+        <p:nvSpPr>
+          <p:cNvPr id="3" name="内容占位符 2">
+            <a:extLst>
+              <a:ext uri="{FF2B5EF4-FFF2-40B4-BE49-F238E27FC236}">
+                <a16:creationId xmlns:a16="http://schemas.microsoft.com/office/drawing/2014/main" id="{3494D4A8-2507-A915-B413-89AAE64DD505}"/>
+              </a:ext>
+            </a:extLst>
+          </p:cNvPr>
+          <p:cNvSpPr>
+            <a:spLocks noGrp="1"/>
+          </p:cNvSpPr>
+          <p:nvPr>
+            <p:ph idx="1"/>
+          </p:nvPr>
+        </p:nvSpPr>
+        <p:spPr/>
+        <p:txBody>
+          <a:bodyPr>
+            <a:normAutofit fontScale="85000" lnSpcReduction="20000"/>
+          </a:bodyPr>
+          <a:lstStyle/>
+          <a:p>
+            <a:r>
+              <a:rPr lang="zh-CN" altLang="en-US" dirty="0"/>
+              <a:t>通过整理数据发现数据类别和记录类型大概分为这几类</a:t>
+            </a:r>
+            <a:endParaRPr lang="en-US" altLang="zh-CN" dirty="0"/>
+          </a:p>
+          <a:p>
+            <a:pPr marL="514350" indent="-514350">
+              <a:buFont typeface="+mj-lt"/>
+              <a:buAutoNum type="arabicPeriod"/>
+            </a:pPr>
+            <a:r>
+              <a:rPr lang="zh-CN" altLang="en-US" dirty="0"/>
+              <a:t>时间系统</a:t>
+            </a:r>
+            <a:endParaRPr lang="en-US" altLang="zh-CN" dirty="0"/>
+          </a:p>
+          <a:p>
+            <a:pPr marL="914400" lvl="1" indent="-514350">
+              <a:buFont typeface="+mj-lt"/>
+              <a:buAutoNum type="arabicPeriod"/>
+            </a:pPr>
+            <a:r>
+              <a:rPr lang="en-US" altLang="zh-CN" dirty="0"/>
+              <a:t>UTC</a:t>
+            </a:r>
+          </a:p>
+          <a:p>
+            <a:pPr marL="914400" lvl="1" indent="-514350">
+              <a:buFont typeface="+mj-lt"/>
+              <a:buAutoNum type="arabicPeriod"/>
+            </a:pPr>
+            <a:r>
+              <a:rPr lang="en-US" altLang="zh-CN" dirty="0"/>
+              <a:t>TT</a:t>
+            </a:r>
+          </a:p>
+          <a:p>
+            <a:pPr marL="914400" lvl="1" indent="-514350">
+              <a:buFont typeface="+mj-lt"/>
+              <a:buAutoNum type="arabicPeriod"/>
+            </a:pPr>
+            <a:r>
+              <a:rPr lang="en-US" altLang="zh-CN" dirty="0"/>
+              <a:t>UT1</a:t>
+            </a:r>
+          </a:p>
+          <a:p>
+            <a:pPr marL="914400" lvl="1" indent="-514350">
+              <a:buFont typeface="+mj-lt"/>
+              <a:buAutoNum type="arabicPeriod"/>
+            </a:pPr>
+            <a:r>
+              <a:rPr lang="en-US" altLang="zh-CN" dirty="0"/>
+              <a:t>ET</a:t>
+            </a:r>
+          </a:p>
+          <a:p>
+            <a:pPr marL="914400" lvl="1" indent="-514350">
+              <a:buFont typeface="+mj-lt"/>
+              <a:buAutoNum type="arabicPeriod"/>
+            </a:pPr>
+            <a:r>
+              <a:rPr lang="en-US" altLang="zh-CN" dirty="0"/>
+              <a:t>GMT</a:t>
+            </a:r>
+          </a:p>
+          <a:p>
+            <a:pPr marL="914400" lvl="1" indent="-514350">
+              <a:buFont typeface="+mj-lt"/>
+              <a:buAutoNum type="arabicPeriod"/>
+            </a:pPr>
+            <a:r>
+              <a:rPr lang="en-US" altLang="zh-CN" dirty="0"/>
+              <a:t>TCB</a:t>
+            </a:r>
+          </a:p>
+          <a:p>
+            <a:pPr marL="914400" lvl="1" indent="-514350">
+              <a:buFont typeface="+mj-lt"/>
+              <a:buAutoNum type="arabicPeriod"/>
+            </a:pPr>
+            <a:r>
+              <a:rPr lang="en-US" altLang="zh-CN" dirty="0"/>
+              <a:t>TDB</a:t>
+            </a:r>
+          </a:p>
+          <a:p>
+            <a:pPr marL="514350" indent="-514350">
+              <a:buFont typeface="+mj-lt"/>
+              <a:buAutoNum type="arabicPeriod"/>
+            </a:pPr>
+            <a:r>
+              <a:rPr lang="zh-CN" altLang="en-US" dirty="0"/>
+              <a:t>记录类型</a:t>
+            </a:r>
+            <a:endParaRPr lang="en-US" altLang="zh-CN" dirty="0"/>
+          </a:p>
+          <a:p>
+            <a:pPr marL="914400" lvl="1" indent="-514350">
+              <a:buFont typeface="+mj-lt"/>
+              <a:buAutoNum type="arabicPeriod"/>
+            </a:pPr>
+            <a:r>
+              <a:rPr lang="en-US" altLang="zh-CN" dirty="0"/>
+              <a:t>Year-</a:t>
+            </a:r>
+            <a:r>
+              <a:rPr lang="en-US" altLang="zh-CN" dirty="0" err="1"/>
+              <a:t>mon</a:t>
+            </a:r>
+            <a:r>
+              <a:rPr lang="en-US" altLang="zh-CN" dirty="0"/>
+              <a:t>-day-hour-min-sec</a:t>
+            </a:r>
+          </a:p>
+          <a:p>
+            <a:pPr marL="914400" lvl="1" indent="-514350">
+              <a:buFont typeface="+mj-lt"/>
+              <a:buAutoNum type="arabicPeriod"/>
+            </a:pPr>
+            <a:r>
+              <a:rPr lang="en-US" altLang="zh-CN" dirty="0"/>
+              <a:t>Year-</a:t>
+            </a:r>
+            <a:r>
+              <a:rPr lang="en-US" altLang="zh-CN" dirty="0" err="1"/>
+              <a:t>mon</a:t>
+            </a:r>
+            <a:r>
+              <a:rPr lang="en-US" altLang="zh-CN" dirty="0"/>
+              <a:t>-day of the moment of observation with decimals</a:t>
+            </a:r>
+          </a:p>
+          <a:p>
+            <a:pPr marL="914400" lvl="1" indent="-514350">
+              <a:buFont typeface="+mj-lt"/>
+              <a:buAutoNum type="arabicPeriod"/>
+            </a:pPr>
+            <a:r>
+              <a:rPr lang="en-US" altLang="zh-CN" dirty="0"/>
+              <a:t>JD</a:t>
+            </a:r>
+          </a:p>
+          <a:p>
+            <a:pPr marL="400050" lvl="1" indent="0">
+              <a:buNone/>
+            </a:pPr>
+            <a:endParaRPr lang="en-US" altLang="zh-CN" dirty="0"/>
+          </a:p>
+        </p:txBody>
+      </p:sp>
+    </p:spTree>
+    <p:extLst>
+      <p:ext uri="{BB962C8B-B14F-4D97-AF65-F5344CB8AC3E}">
+        <p14:creationId xmlns:p14="http://schemas.microsoft.com/office/powerpoint/2010/main" val="603513951"/>
+      </p:ext>
+    </p:extLst>
+  </p:cSld>
+  <p:clrMapOvr>
+    <a:masterClrMapping/>
+  </p:clrMapOvr>
+</p:sld>
+</file>
+
+<file path=ppt/slides/slide6.xml><?xml version="1.0" encoding="utf-8"?>
+<p:sld xmlns:a="http://schemas.openxmlformats.org/drawingml/2006/main" xmlns:r="http://schemas.openxmlformats.org/officeDocument/2006/relationships" xmlns:p="http://schemas.openxmlformats.org/presentationml/2006/main">
+  <p:cSld>
+    <p:spTree>
+      <p:nvGrpSpPr>
+        <p:cNvPr id="1" name=""/>
+        <p:cNvGrpSpPr/>
+        <p:nvPr/>
+      </p:nvGrpSpPr>
+      <p:grpSpPr>
+        <a:xfrm>
+          <a:off x="0" y="0"/>
+          <a:ext cx="0" cy="0"/>
+          <a:chOff x="0" y="0"/>
+          <a:chExt cx="0" cy="0"/>
+        </a:xfrm>
+      </p:grpSpPr>
+      <p:sp>
+        <p:nvSpPr>
+          <p:cNvPr id="2" name="标题 1">
+            <a:extLst>
+              <a:ext uri="{FF2B5EF4-FFF2-40B4-BE49-F238E27FC236}">
+                <a16:creationId xmlns:a16="http://schemas.microsoft.com/office/drawing/2014/main" id="{E6B6B687-B6BC-2533-2A70-4731C37EBCAA}"/>
+              </a:ext>
+            </a:extLst>
+          </p:cNvPr>
+          <p:cNvSpPr>
+            <a:spLocks noGrp="1"/>
+          </p:cNvSpPr>
+          <p:nvPr>
+            <p:ph type="title"/>
+          </p:nvPr>
+        </p:nvSpPr>
+        <p:spPr/>
+        <p:txBody>
+          <a:bodyPr/>
+          <a:lstStyle/>
+          <a:p>
+            <a:r>
+              <a:rPr lang="zh-CN" altLang="en-US" dirty="0"/>
+              <a:t>实际应用</a:t>
+            </a:r>
+          </a:p>
+        </p:txBody>
+      </p:sp>
+      <p:sp>
+        <p:nvSpPr>
+          <p:cNvPr id="3" name="内容占位符 2">
+            <a:extLst>
+              <a:ext uri="{FF2B5EF4-FFF2-40B4-BE49-F238E27FC236}">
+                <a16:creationId xmlns:a16="http://schemas.microsoft.com/office/drawing/2014/main" id="{D942CC1B-3A42-F475-A629-E3BE25B0619E}"/>
+              </a:ext>
+            </a:extLst>
+          </p:cNvPr>
+          <p:cNvSpPr>
+            <a:spLocks noGrp="1"/>
+          </p:cNvSpPr>
+          <p:nvPr>
+            <p:ph sz="half" idx="1"/>
+          </p:nvPr>
+        </p:nvSpPr>
+        <p:spPr/>
+        <p:txBody>
+          <a:bodyPr/>
+          <a:lstStyle/>
+          <a:p>
+            <a:r>
+              <a:rPr lang="zh-CN" altLang="en-US" dirty="0"/>
+              <a:t>在时间系统的转换过程中</a:t>
+            </a:r>
+            <a:r>
+              <a:rPr lang="en-US" altLang="zh-CN" dirty="0"/>
+              <a:t>,</a:t>
+            </a:r>
+            <a:r>
+              <a:rPr lang="zh-CN" altLang="en-US" dirty="0"/>
+              <a:t>需要理解相对论框架、天球参考系、地球  自转、岁差</a:t>
+            </a:r>
+            <a:r>
+              <a:rPr lang="en-US" altLang="zh-CN" dirty="0"/>
+              <a:t>-</a:t>
+            </a:r>
+            <a:r>
+              <a:rPr lang="zh-CN" altLang="en-US" dirty="0"/>
+              <a:t>章动模型等天文学基本理论</a:t>
+            </a:r>
+            <a:r>
+              <a:rPr lang="en-US" altLang="zh-CN" dirty="0"/>
+              <a:t>,</a:t>
+            </a:r>
+            <a:r>
+              <a:rPr lang="zh-CN" altLang="en-US" dirty="0"/>
+              <a:t>时间系统间的转换结果可以根据上述内容自行计算获取</a:t>
+            </a:r>
+            <a:r>
+              <a:rPr lang="en-US" altLang="zh-CN" dirty="0"/>
+              <a:t>,</a:t>
+            </a:r>
+            <a:r>
+              <a:rPr lang="zh-CN" altLang="en-US" dirty="0"/>
+              <a:t>也 可以参考 </a:t>
+            </a:r>
+            <a:r>
+              <a:rPr lang="en-US" altLang="zh-CN" dirty="0"/>
+              <a:t>IAU SOFA </a:t>
+            </a:r>
+            <a:r>
+              <a:rPr lang="zh-CN" altLang="en-US" dirty="0"/>
+              <a:t>发布的程序计算获取。</a:t>
+            </a:r>
+            <a:endParaRPr lang="en-US" altLang="zh-CN" dirty="0"/>
+          </a:p>
+          <a:p>
+            <a:endParaRPr lang="zh-CN" altLang="en-US" dirty="0"/>
+          </a:p>
+        </p:txBody>
+      </p:sp>
+      <p:pic>
+        <p:nvPicPr>
+          <p:cNvPr id="7" name="内容占位符 6">
+            <a:extLst>
+              <a:ext uri="{FF2B5EF4-FFF2-40B4-BE49-F238E27FC236}">
+                <a16:creationId xmlns:a16="http://schemas.microsoft.com/office/drawing/2014/main" id="{622F0E9A-2732-3AD2-9F88-84ECF00F0EE7}"/>
+              </a:ext>
+            </a:extLst>
+          </p:cNvPr>
+          <p:cNvPicPr>
+            <a:picLocks noGrp="1" noChangeAspect="1"/>
+          </p:cNvPicPr>
+          <p:nvPr>
+            <p:ph sz="half" idx="2"/>
+          </p:nvPr>
+        </p:nvPicPr>
+        <p:blipFill>
+          <a:blip r:embed="rId2"/>
+          <a:stretch>
+            <a:fillRect/>
+          </a:stretch>
+        </p:blipFill>
+        <p:spPr>
+          <a:xfrm>
+            <a:off x="6197600" y="1711279"/>
+            <a:ext cx="5384800" cy="3435442"/>
+          </a:xfrm>
+          <a:prstGeom prst="rect">
+            <a:avLst/>
+          </a:prstGeom>
+        </p:spPr>
+      </p:pic>
+      <mc:AlternateContent xmlns:mc="http://schemas.openxmlformats.org/markup-compatibility/2006" xmlns:p14="http://schemas.microsoft.com/office/powerpoint/2010/main">
+        <mc:Choice Requires="p14">
+          <p:contentPart p14:bwMode="auto" r:id="rId3">
+            <p14:nvContentPartPr>
+              <p14:cNvPr id="4" name="墨迹 3">
+                <a:extLst>
+                  <a:ext uri="{FF2B5EF4-FFF2-40B4-BE49-F238E27FC236}">
+                    <a16:creationId xmlns:a16="http://schemas.microsoft.com/office/drawing/2014/main" id="{F6174149-F58B-5078-BD6B-1FA51ECEBA15}"/>
+                  </a:ext>
+                </a:extLst>
+              </p14:cNvPr>
+              <p14:cNvContentPartPr/>
+              <p14:nvPr/>
+            </p14:nvContentPartPr>
+            <p14:xfrm>
+              <a:off x="996120" y="4299840"/>
+              <a:ext cx="4860720" cy="506520"/>
+            </p14:xfrm>
+          </p:contentPart>
+        </mc:Choice>
+        <mc:Fallback xmlns="">
+          <p:pic>
+            <p:nvPicPr>
+              <p:cNvPr id="4" name="墨迹 3">
+                <a:extLst>
+                  <a:ext uri="{FF2B5EF4-FFF2-40B4-BE49-F238E27FC236}">
+                    <a16:creationId xmlns:a16="http://schemas.microsoft.com/office/drawing/2014/main" id="{F6174149-F58B-5078-BD6B-1FA51ECEBA15}"/>
+                  </a:ext>
+                </a:extLst>
+              </p:cNvPr>
+              <p:cNvPicPr/>
+              <p:nvPr/>
+            </p:nvPicPr>
+            <p:blipFill>
+              <a:blip r:embed="rId4"/>
+              <a:stretch>
+                <a:fillRect/>
+              </a:stretch>
+            </p:blipFill>
+            <p:spPr>
+              <a:xfrm>
+                <a:off x="986760" y="4290480"/>
+                <a:ext cx="4879440" cy="525240"/>
+              </a:xfrm>
+              <a:prstGeom prst="rect">
+                <a:avLst/>
+              </a:prstGeom>
+            </p:spPr>
+          </p:pic>
+        </mc:Fallback>
+      </mc:AlternateContent>
+    </p:spTree>
+    <p:extLst>
+      <p:ext uri="{BB962C8B-B14F-4D97-AF65-F5344CB8AC3E}">
+        <p14:creationId xmlns:p14="http://schemas.microsoft.com/office/powerpoint/2010/main" val="3080246751"/>
       </p:ext>
     </p:extLst>
   </p:cSld>
